--- a/slides/00_about_workshop.pptx
+++ b/slides/00_about_workshop.pptx
@@ -3687,42 +3687,7 @@
       </p:grpSpPr>
       <p:sp>
         <p:nvSpPr>
-          <p:cNvPr id="146" name="Text Box 6"/>
-          <p:cNvSpPr txBox="1"/>
-          <p:nvPr>
-            <p:ph type="sldNum" sz="quarter" idx="2"/>
-          </p:nvPr>
-        </p:nvSpPr>
-        <p:spPr>
-          <a:xfrm>
-            <a:off x="12179686" y="8931768"/>
-            <a:ext cx="174874" cy="406401"/>
-          </a:xfrm>
-          <a:prstGeom prst="rect">
-            <a:avLst/>
-          </a:prstGeom>
-          <a:extLst>
-            <a:ext uri="{C572A759-6A51-4108-AA02-DFA0A04FC94B}">
-              <ma14:wrappingTextBoxFlag xmlns:ma14="http://schemas.microsoft.com/office/mac/drawingml/2011/main" val="1"/>
-            </a:ext>
-          </a:extLst>
-        </p:spPr>
-        <p:txBody>
-          <a:bodyPr/>
-          <a:lstStyle>
-            <a:lvl1pPr algn="r">
-              <a:defRPr i="1" sz="2800"/>
-            </a:lvl1pPr>
-          </a:lstStyle>
-          <a:p>
-            <a:pPr/>
-            <a:fld id="{86CB4B4D-7CA3-9044-876B-883B54F8677D}" type="slidenum"/>
-          </a:p>
-        </p:txBody>
-      </p:sp>
-      <p:sp>
-        <p:nvSpPr>
-          <p:cNvPr id="147" name="Rectangle 2"/>
+          <p:cNvPr id="146" name="Rectangle 2"/>
           <p:cNvSpPr txBox="1"/>
           <p:nvPr>
             <p:ph type="title"/>
@@ -3736,8 +3701,8 @@
         <p:txBody>
           <a:bodyPr/>
           <a:lstStyle>
-            <a:lvl1pPr defTabSz="1157224">
-              <a:defRPr sz="4930"/>
+            <a:lvl1pPr>
+              <a:defRPr sz="5800"/>
             </a:lvl1pPr>
           </a:lstStyle>
           <a:p>
@@ -3750,17 +3715,13 @@
       </p:sp>
       <p:sp>
         <p:nvSpPr>
-          <p:cNvPr id="148" name="Rectangle 3"/>
+          <p:cNvPr id="147" name="Rectangle 3"/>
           <p:cNvSpPr txBox="1"/>
           <p:nvPr>
-            <p:ph type="body" idx="1"/>
+            <p:ph type="body" sz="quarter" idx="1"/>
           </p:nvPr>
         </p:nvSpPr>
         <p:spPr>
-          <a:xfrm>
-            <a:off x="758613" y="1943947"/>
-            <a:ext cx="11595948" cy="6285654"/>
-          </a:xfrm>
           <a:prstGeom prst="rect">
             <a:avLst/>
           </a:prstGeom>
@@ -3769,50 +3730,52 @@
           <a:bodyPr/>
           <a:lstStyle/>
           <a:p>
-            <a:pPr/>
+            <a:pPr defTabSz="332993">
+              <a:defRPr sz="2109"/>
+            </a:pPr>
             <a:r>
               <a:t>Agata Przybyszewska</a:t>
             </a:r>
           </a:p>
           <a:p>
-            <a:pPr lvl="1" marL="897255" indent="-417830">
+            <a:pPr lvl="1" indent="130302" defTabSz="332993">
               <a:spcBef>
-                <a:spcPts val="1000"/>
+                <a:spcPts val="500"/>
               </a:spcBef>
-              <a:defRPr sz="4200"/>
+              <a:defRPr sz="2394"/>
             </a:pPr>
             <a:r>
-              <a:t>Phd i matematik/datalogi.</a:t>
-            </a:r>
-          </a:p>
-          <a:p>
-            <a:pPr lvl="1" marL="897255" indent="-417830">
+              <a:t>PhD (Mathematics, Computer Science)</a:t>
+            </a:r>
+          </a:p>
+          <a:p>
+            <a:pPr lvl="1" indent="130302" defTabSz="332993">
               <a:spcBef>
-                <a:spcPts val="1000"/>
+                <a:spcPts val="500"/>
               </a:spcBef>
-              <a:defRPr sz="4200"/>
+              <a:defRPr sz="2394"/>
             </a:pPr>
             <a:r>
-              <a:t>Enterprise Arkitekt</a:t>
-            </a:r>
-          </a:p>
-          <a:p>
-            <a:pPr lvl="1" marL="897255" indent="-417830">
+              <a:t>Enterprise Architect</a:t>
+            </a:r>
+          </a:p>
+          <a:p>
+            <a:pPr lvl="1" indent="130302" defTabSz="332993">
               <a:spcBef>
-                <a:spcPts val="1000"/>
+                <a:spcPts val="500"/>
               </a:spcBef>
-              <a:defRPr sz="4200"/>
+              <a:defRPr sz="2394"/>
             </a:pPr>
             <a:r>
-              <a:t>Instruktør at Lund&amp;Bendsen</a:t>
-            </a:r>
-          </a:p>
-          <a:p>
-            <a:pPr lvl="1" marL="897255" indent="-417830">
+              <a:t>Instructor at Lund&amp;Bendsen, lecturer at IT University of Copenhagen</a:t>
+            </a:r>
+          </a:p>
+          <a:p>
+            <a:pPr lvl="1" indent="130302" defTabSz="332993">
               <a:spcBef>
-                <a:spcPts val="1000"/>
+                <a:spcPts val="500"/>
               </a:spcBef>
-              <a:defRPr sz="4200"/>
+              <a:defRPr sz="2394"/>
             </a:pPr>
             <a:r>
               <a:t>Email: agata@lundogbendsen.dk</a:t>
@@ -3820,16 +3783,18 @@
             <a:br/>
           </a:p>
           <a:p>
-            <a:pPr/>
-            <a:r>
-              <a:t>Specialist i integrationsarkitektur, sikkerhed, SOA og REST.</a:t>
+            <a:pPr defTabSz="332993">
+              <a:defRPr sz="2109"/>
+            </a:pPr>
+            <a:r>
+              <a:t>Specialist in integration architecture, security, SOA og REST.</a:t>
             </a:r>
           </a:p>
         </p:txBody>
       </p:sp>
       <p:pic>
         <p:nvPicPr>
-          <p:cNvPr id="149" name="Billede 10" descr="Billede 10"/>
+          <p:cNvPr id="148" name="Billede 10" descr="Billede 10"/>
           <p:cNvPicPr>
             <a:picLocks noChangeAspect="1"/>
           </p:cNvPicPr>
@@ -3845,7 +3810,7 @@
         </p:blipFill>
         <p:spPr>
           <a:xfrm rot="709612">
-            <a:off x="9378351" y="1007674"/>
+            <a:off x="8565551" y="4004874"/>
             <a:ext cx="3033396" cy="3033396"/>
           </a:xfrm>
           <a:prstGeom prst="rect">
@@ -3884,7 +3849,7 @@
       </p:grpSpPr>
       <p:sp>
         <p:nvSpPr>
-          <p:cNvPr id="151" name="About"/>
+          <p:cNvPr id="150" name="About"/>
           <p:cNvSpPr txBox="1"/>
           <p:nvPr>
             <p:ph type="title"/>
@@ -3908,7 +3873,7 @@
       </p:sp>
       <p:sp>
         <p:nvSpPr>
-          <p:cNvPr id="152" name="Introductory course…"/>
+          <p:cNvPr id="151" name="Introductory course…"/>
           <p:cNvSpPr txBox="1"/>
           <p:nvPr>
             <p:ph type="body" idx="1"/>
@@ -4036,7 +4001,7 @@
       </p:grpSpPr>
       <p:sp>
         <p:nvSpPr>
-          <p:cNvPr id="154" name="Course Contents"/>
+          <p:cNvPr id="153" name="Course Contents"/>
           <p:cNvSpPr txBox="1"/>
           <p:nvPr>
             <p:ph type="title"/>
@@ -4060,7 +4025,7 @@
       </p:sp>
       <p:sp>
         <p:nvSpPr>
-          <p:cNvPr id="155" name="Scala language basics - control structures, classes and objects, basic types…"/>
+          <p:cNvPr id="154" name="Scala language basics - control structures, classes and objects, basic types…"/>
           <p:cNvSpPr txBox="1"/>
           <p:nvPr>
             <p:ph type="body" idx="1"/>
@@ -4258,7 +4223,7 @@
       </p:grpSpPr>
       <p:sp>
         <p:nvSpPr>
-          <p:cNvPr id="157" name="Practicalities"/>
+          <p:cNvPr id="156" name="Practicalities"/>
           <p:cNvSpPr txBox="1"/>
           <p:nvPr>
             <p:ph type="title"/>
@@ -4282,7 +4247,7 @@
       </p:sp>
       <p:sp>
         <p:nvSpPr>
-          <p:cNvPr id="158" name="2 day course, 09-16…"/>
+          <p:cNvPr id="157" name="2 day course, 09-16…"/>
           <p:cNvSpPr txBox="1"/>
           <p:nvPr>
             <p:ph type="body" idx="1"/>
@@ -4311,13 +4276,28 @@
           <a:p>
             <a:pPr/>
             <a:r>
-              <a:t>Course content on Github:</a:t>
+              <a:t>Course content on Github: </a:t>
+            </a:r>
+            <a:r>
+              <a:rPr u="sng">
+                <a:hlinkClick r:id="rId2" invalidUrl="" action="" tgtFrame="" tooltip="" history="1" highlightClick="0" endSnd="0"/>
+              </a:rPr>
+              <a:t>https://github.com/LundOgBendsen/LBE2921-Scala</a:t>
+            </a:r>
+            <a:r>
+              <a:t> </a:t>
             </a:r>
           </a:p>
           <a:p>
             <a:pPr/>
             <a:r>
-              <a:t>USB with Eclipse + Scala plugin, gradle, sbt</a:t>
+              <a:t>USB with course software: Eclipse + Scala plugin, gradle, sbt etc</a:t>
+            </a:r>
+          </a:p>
+          <a:p>
+            <a:pPr/>
+            <a:r>
+              <a:t>Expect interaction - small games, quizzes, team exercises</a:t>
             </a:r>
           </a:p>
         </p:txBody>
@@ -4350,7 +4330,7 @@
       </p:grpSpPr>
       <p:sp>
         <p:nvSpPr>
-          <p:cNvPr id="160" name="Let’s get started"/>
+          <p:cNvPr id="159" name="Let’s get started"/>
           <p:cNvSpPr txBox="1"/>
           <p:nvPr>
             <p:ph type="title"/>
@@ -4374,7 +4354,7 @@
       </p:sp>
       <p:sp>
         <p:nvSpPr>
-          <p:cNvPr id="161" name="Open the Scala REPL…"/>
+          <p:cNvPr id="160" name="Open the Scala REPL…"/>
           <p:cNvSpPr txBox="1"/>
           <p:nvPr>
             <p:ph type="body" sz="half" idx="1"/>
@@ -4410,7 +4390,7 @@
       </p:sp>
       <p:sp>
         <p:nvSpPr>
-          <p:cNvPr id="162" name="# open a shell and type…"/>
+          <p:cNvPr id="161" name="# open a shell and type…"/>
           <p:cNvSpPr txBox="1"/>
           <p:nvPr>
             <p:ph type="body" idx="13"/>
@@ -4581,7 +4561,7 @@
       </p:grpSpPr>
       <p:sp>
         <p:nvSpPr>
-          <p:cNvPr id="164" name="Expressions"/>
+          <p:cNvPr id="163" name="Expressions"/>
           <p:cNvSpPr txBox="1"/>
           <p:nvPr>
             <p:ph type="title"/>
@@ -4605,7 +4585,7 @@
       </p:sp>
       <p:sp>
         <p:nvSpPr>
-          <p:cNvPr id="165" name="Primitive: 1, true, “Hello”…"/>
+          <p:cNvPr id="164" name="Primitive: 1, true, “Hello”…"/>
           <p:cNvSpPr txBox="1"/>
           <p:nvPr>
             <p:ph type="body" sz="half" idx="1"/>
@@ -4645,7 +4625,7 @@
       </p:sp>
       <p:sp>
         <p:nvSpPr>
-          <p:cNvPr id="166" name="scala&gt; 1+2…"/>
+          <p:cNvPr id="165" name="scala&gt; 1+2…"/>
           <p:cNvSpPr txBox="1"/>
           <p:nvPr/>
         </p:nvSpPr>
@@ -4710,7 +4690,7 @@
       </p:sp>
       <p:sp>
         <p:nvSpPr>
-          <p:cNvPr id="167" name="scala&gt; &quot;Hello&quot;…"/>
+          <p:cNvPr id="166" name="scala&gt; &quot;Hello&quot;…"/>
           <p:cNvSpPr txBox="1"/>
           <p:nvPr/>
         </p:nvSpPr>
@@ -4801,7 +4781,7 @@
       </p:grpSpPr>
       <p:sp>
         <p:nvSpPr>
-          <p:cNvPr id="169" name="Recommended reading"/>
+          <p:cNvPr id="168" name="Recommended reading"/>
           <p:cNvSpPr txBox="1"/>
           <p:nvPr>
             <p:ph type="title"/>
@@ -4825,7 +4805,7 @@
       </p:sp>
       <p:sp>
         <p:nvSpPr>
-          <p:cNvPr id="170" name="Online tutorial: https://docs.scala-lang.org/tour/tour-of-scala.html…"/>
+          <p:cNvPr id="169" name="Online tutorial: https://docs.scala-lang.org/tour/tour-of-scala.html…"/>
           <p:cNvSpPr txBox="1"/>
           <p:nvPr>
             <p:ph type="body" idx="1"/>
@@ -4907,7 +4887,7 @@
       </p:sp>
       <p:pic>
         <p:nvPicPr>
-          <p:cNvPr id="171" name="Billede" descr="Billede"/>
+          <p:cNvPr id="170" name="Billede" descr="Billede"/>
           <p:cNvPicPr>
             <a:picLocks noChangeAspect="1"/>
           </p:cNvPicPr>
@@ -4962,7 +4942,7 @@
       </p:grpSpPr>
       <p:sp>
         <p:nvSpPr>
-          <p:cNvPr id="173" name="Lab 00"/>
+          <p:cNvPr id="172" name="Lab 00"/>
           <p:cNvSpPr txBox="1"/>
           <p:nvPr>
             <p:ph type="title"/>
@@ -4986,7 +4966,7 @@
       </p:sp>
       <p:sp>
         <p:nvSpPr>
-          <p:cNvPr id="174" name="Inspect the tools:…"/>
+          <p:cNvPr id="173" name="Inspect the tools:…"/>
           <p:cNvSpPr txBox="1"/>
           <p:nvPr>
             <p:ph type="body" sz="half" idx="1"/>
@@ -5087,7 +5067,7 @@
       </p:sp>
       <p:sp>
         <p:nvSpPr>
-          <p:cNvPr id="175" name="# Check out the course content from the USB…"/>
+          <p:cNvPr id="174" name="# Check out the course content from the USB…"/>
           <p:cNvSpPr txBox="1"/>
           <p:nvPr>
             <p:ph type="body" idx="13"/>
